--- a/slides/java-swing-2048.pptx
+++ b/slides/java-swing-2048.pptx
@@ -5,7 +5,7 @@
     <p:sldMasterId id="2147483648" r:id="rId1"/>
   </p:sldMasterIdLst>
   <p:notesMasterIdLst>
-    <p:notesMasterId r:id="rId29"/>
+    <p:notesMasterId r:id="rId31"/>
   </p:notesMasterIdLst>
   <p:sldIdLst>
     <p:sldId id="256" r:id="rId2"/>
@@ -33,8 +33,10 @@
     <p:sldId id="394" r:id="rId24"/>
     <p:sldId id="380" r:id="rId25"/>
     <p:sldId id="381" r:id="rId26"/>
-    <p:sldId id="391" r:id="rId27"/>
-    <p:sldId id="372" r:id="rId28"/>
+    <p:sldId id="395" r:id="rId27"/>
+    <p:sldId id="396" r:id="rId28"/>
+    <p:sldId id="391" r:id="rId29"/>
+    <p:sldId id="372" r:id="rId30"/>
   </p:sldIdLst>
   <p:sldSz cx="12192000" cy="6858000"/>
   <p:notesSz cx="6858000" cy="9144000"/>
@@ -15907,21 +15909,21 @@
         </p:nvSpPr>
         <p:spPr>
           <a:xfrm>
-            <a:off x="1158711" y="4032165"/>
-            <a:ext cx="9244838" cy="2554545"/>
+            <a:off x="1158710" y="4032165"/>
+            <a:ext cx="9397469" cy="2062103"/>
           </a:xfrm>
           <a:prstGeom prst="rect">
             <a:avLst/>
           </a:prstGeom>
         </p:spPr>
         <p:txBody>
-          <a:bodyPr wrap="none">
+          <a:bodyPr wrap="square">
             <a:spAutoFit/>
           </a:bodyPr>
           <a:lstStyle/>
           <a:p>
             <a:r>
-              <a:rPr lang="en-US" sz="3200" dirty="0" err="1">
+              <a:rPr lang="en-US" sz="3200" dirty="0" err="1" smtClean="0">
                 <a:solidFill>
                   <a:srgbClr val="000000"/>
                 </a:solidFill>
@@ -15930,13 +15932,13 @@
               <a:t>BorderFactory.</a:t>
             </a:r>
             <a:r>
-              <a:rPr lang="en-US" sz="3200" i="1" dirty="0" err="1">
+              <a:rPr lang="en-US" sz="3200" i="1" dirty="0" err="1" smtClean="0">
                 <a:solidFill>
                   <a:srgbClr val="000000"/>
                 </a:solidFill>
                 <a:latin typeface="Consolas" panose="020B0609020204030204" pitchFamily="49" charset="0"/>
               </a:rPr>
-              <a:t>createEmptyBorder</a:t>
+              <a:t>createCompoundBorder</a:t>
             </a:r>
             <a:r>
               <a:rPr lang="en-US" sz="3200" i="1" dirty="0">
@@ -15988,13 +15990,13 @@
               <a:t>	</a:t>
             </a:r>
             <a:r>
-              <a:rPr lang="en-US" sz="3200" i="1" dirty="0" err="1">
+              <a:rPr lang="en-US" sz="3200" i="1" dirty="0" err="1" smtClean="0">
                 <a:solidFill>
                   <a:srgbClr val="000000"/>
                 </a:solidFill>
                 <a:latin typeface="Consolas" panose="020B0609020204030204" pitchFamily="49" charset="0"/>
               </a:rPr>
-              <a:t>BorderFactory.createLineBorder</a:t>
+              <a:t>BorderFactory.createEmptyBorder</a:t>
             </a:r>
             <a:r>
               <a:rPr lang="en-US" sz="3200" i="1" dirty="0">
@@ -16003,41 +16005,21 @@
                 </a:solidFill>
                 <a:latin typeface="Consolas" panose="020B0609020204030204" pitchFamily="49" charset="0"/>
               </a:rPr>
-              <a:t>( … ),</a:t>
-            </a:r>
-          </a:p>
-          <a:p>
-            <a:r>
-              <a:rPr lang="en-US" sz="3200" i="1" dirty="0">
+              <a:t>( … </a:t>
+            </a:r>
+            <a:r>
+              <a:rPr lang="en-US" sz="3200" i="1" dirty="0" smtClean="0">
                 <a:solidFill>
                   <a:srgbClr val="000000"/>
                 </a:solidFill>
                 <a:latin typeface="Consolas" panose="020B0609020204030204" pitchFamily="49" charset="0"/>
               </a:rPr>
-              <a:t>	</a:t>
-            </a:r>
-            <a:r>
-              <a:rPr lang="en-US" sz="3200" i="1" dirty="0" err="1">
-                <a:solidFill>
-                  <a:srgbClr val="000000"/>
-                </a:solidFill>
-                <a:latin typeface="Consolas" panose="020B0609020204030204" pitchFamily="49" charset="0"/>
-              </a:rPr>
-              <a:t>BorderFactory.createLineBorder</a:t>
-            </a:r>
-            <a:r>
-              <a:rPr lang="en-US" sz="3200" i="1" dirty="0">
-                <a:solidFill>
-                  <a:srgbClr val="000000"/>
-                </a:solidFill>
-                <a:latin typeface="Consolas" panose="020B0609020204030204" pitchFamily="49" charset="0"/>
-              </a:rPr>
-              <a:t>( … )</a:t>
+              <a:t>)</a:t>
             </a:r>
           </a:p>
           <a:p>
             <a:r>
-              <a:rPr lang="en-US" sz="3200" i="1" dirty="0">
+              <a:rPr lang="en-US" sz="3200" i="1" dirty="0" smtClean="0">
                 <a:solidFill>
                   <a:srgbClr val="000000"/>
                 </a:solidFill>
@@ -16172,8 +16154,8 @@
         </p:nvSpPr>
         <p:spPr>
           <a:xfrm>
-            <a:off x="7611185" y="441761"/>
-            <a:ext cx="4021290" cy="586145"/>
+            <a:off x="8434291" y="453791"/>
+            <a:ext cx="2993691" cy="976908"/>
           </a:xfrm>
           <a:prstGeom prst="roundRect">
             <a:avLst>
@@ -16209,7 +16191,27 @@
                   </a:schemeClr>
                 </a:solidFill>
               </a:rPr>
-              <a:t>Lets you combine borders!</a:t>
+              <a:t>Lets you combine </a:t>
+            </a:r>
+            <a:r>
+              <a:rPr lang="en-US" sz="2400" dirty="0" smtClean="0">
+                <a:solidFill>
+                  <a:schemeClr val="accent6">
+                    <a:lumMod val="50000"/>
+                  </a:schemeClr>
+                </a:solidFill>
+              </a:rPr>
+              <a:t>two borders</a:t>
+            </a:r>
+            <a:r>
+              <a:rPr lang="en-US" sz="2400" dirty="0">
+                <a:solidFill>
+                  <a:schemeClr val="accent6">
+                    <a:lumMod val="50000"/>
+                  </a:schemeClr>
+                </a:solidFill>
+              </a:rPr>
+              <a:t>!</a:t>
             </a:r>
             <a:endParaRPr lang="en-US" sz="2000" b="1" dirty="0">
               <a:solidFill>
@@ -16231,6 +16233,13 @@
   <p:clrMapOvr>
     <a:masterClrMapping/>
   </p:clrMapOvr>
+  <p:timing>
+    <p:tnLst>
+      <p:par>
+        <p:cTn id="1" dur="indefinite" restart="never" nodeType="tmRoot"/>
+      </p:par>
+    </p:tnLst>
+  </p:timing>
 </p:sld>
 </file>
 
@@ -17834,6 +17843,970 @@
 </file>
 
 <file path=ppt/slides/slide26.xml><?xml version="1.0" encoding="utf-8"?>
+<p:sld xmlns:a="http://schemas.openxmlformats.org/drawingml/2006/main" xmlns:r="http://schemas.openxmlformats.org/officeDocument/2006/relationships" xmlns:p="http://schemas.openxmlformats.org/presentationml/2006/main">
+  <p:cSld>
+    <p:spTree>
+      <p:nvGrpSpPr>
+        <p:cNvPr id="1" name=""/>
+        <p:cNvGrpSpPr/>
+        <p:nvPr/>
+      </p:nvGrpSpPr>
+      <p:grpSpPr>
+        <a:xfrm>
+          <a:off x="0" y="0"/>
+          <a:ext cx="0" cy="0"/>
+          <a:chOff x="0" y="0"/>
+          <a:chExt cx="0" cy="0"/>
+        </a:xfrm>
+      </p:grpSpPr>
+      <p:sp>
+        <p:nvSpPr>
+          <p:cNvPr id="2" name="Title 1"/>
+          <p:cNvSpPr>
+            <a:spLocks noGrp="1"/>
+          </p:cNvSpPr>
+          <p:nvPr>
+            <p:ph type="title"/>
+          </p:nvPr>
+        </p:nvSpPr>
+        <p:spPr/>
+        <p:txBody>
+          <a:bodyPr/>
+          <a:lstStyle/>
+          <a:p>
+            <a:r>
+              <a:rPr lang="en-US" dirty="0" smtClean="0">
+                <a:solidFill>
+                  <a:schemeClr val="tx2"/>
+                </a:solidFill>
+              </a:rPr>
+              <a:t>Specifying the size of a component</a:t>
+            </a:r>
+            <a:endParaRPr lang="en-US" dirty="0">
+              <a:solidFill>
+                <a:schemeClr val="tx2"/>
+              </a:solidFill>
+            </a:endParaRPr>
+          </a:p>
+        </p:txBody>
+      </p:sp>
+      <p:grpSp>
+        <p:nvGrpSpPr>
+          <p:cNvPr id="44" name="Group 43">
+            <a:extLst>
+              <a:ext uri="{FF2B5EF4-FFF2-40B4-BE49-F238E27FC236}">
+                <a16:creationId xmlns:a16="http://schemas.microsoft.com/office/drawing/2014/main" id="{34A56C85-7109-4636-8BA1-662494860726}"/>
+              </a:ext>
+            </a:extLst>
+          </p:cNvPr>
+          <p:cNvGrpSpPr/>
+          <p:nvPr/>
+        </p:nvGrpSpPr>
+        <p:grpSpPr>
+          <a:xfrm>
+            <a:off x="10166613" y="4236991"/>
+            <a:ext cx="1941868" cy="1308023"/>
+            <a:chOff x="9879849" y="4410132"/>
+            <a:chExt cx="1941868" cy="1308023"/>
+          </a:xfrm>
+        </p:grpSpPr>
+        <p:sp>
+          <p:nvSpPr>
+            <p:cNvPr id="19" name="Rectangle 18">
+              <a:extLst>
+                <a:ext uri="{FF2B5EF4-FFF2-40B4-BE49-F238E27FC236}">
+                  <a16:creationId xmlns:a16="http://schemas.microsoft.com/office/drawing/2014/main" id="{2C43BFAB-E2A9-4E6F-A53F-35654119A4A2}"/>
+                </a:ext>
+              </a:extLst>
+            </p:cNvPr>
+            <p:cNvSpPr/>
+            <p:nvPr/>
+          </p:nvSpPr>
+          <p:spPr>
+            <a:xfrm>
+              <a:off x="10037351" y="5194935"/>
+              <a:ext cx="1784366" cy="523220"/>
+            </a:xfrm>
+            <a:prstGeom prst="rect">
+              <a:avLst/>
+            </a:prstGeom>
+          </p:spPr>
+          <p:txBody>
+            <a:bodyPr wrap="square">
+              <a:spAutoFit/>
+            </a:bodyPr>
+            <a:lstStyle/>
+            <a:p>
+              <a:pPr algn="ctr"/>
+              <a:r>
+                <a:rPr lang="en-US" sz="2800" b="1" dirty="0" smtClean="0">
+                  <a:solidFill>
+                    <a:schemeClr val="accent4">
+                      <a:lumMod val="75000"/>
+                    </a:schemeClr>
+                  </a:solidFill>
+                </a:rPr>
+                <a:t>height</a:t>
+              </a:r>
+              <a:endParaRPr lang="en-US" sz="2800" b="1" dirty="0">
+                <a:solidFill>
+                  <a:schemeClr val="accent4">
+                    <a:lumMod val="75000"/>
+                  </a:schemeClr>
+                </a:solidFill>
+              </a:endParaRPr>
+            </a:p>
+          </p:txBody>
+        </p:sp>
+        <p:cxnSp>
+          <p:nvCxnSpPr>
+            <p:cNvPr id="20" name="Straight Arrow Connector 19">
+              <a:extLst>
+                <a:ext uri="{FF2B5EF4-FFF2-40B4-BE49-F238E27FC236}">
+                  <a16:creationId xmlns:a16="http://schemas.microsoft.com/office/drawing/2014/main" id="{C152CE03-B31D-419D-AF22-6C0F2DEBC824}"/>
+                </a:ext>
+              </a:extLst>
+            </p:cNvPr>
+            <p:cNvCxnSpPr>
+              <a:cxnSpLocks/>
+            </p:cNvCxnSpPr>
+            <p:nvPr/>
+          </p:nvCxnSpPr>
+          <p:spPr>
+            <a:xfrm flipH="1" flipV="1">
+              <a:off x="9879849" y="4410132"/>
+              <a:ext cx="613117" cy="784803"/>
+            </a:xfrm>
+            <a:prstGeom prst="straightConnector1">
+              <a:avLst/>
+            </a:prstGeom>
+            <a:ln w="44450">
+              <a:solidFill>
+                <a:schemeClr val="accent4">
+                  <a:lumMod val="75000"/>
+                </a:schemeClr>
+              </a:solidFill>
+              <a:tailEnd type="triangle" w="lg" len="med"/>
+            </a:ln>
+          </p:spPr>
+          <p:style>
+            <a:lnRef idx="1">
+              <a:schemeClr val="accent1"/>
+            </a:lnRef>
+            <a:fillRef idx="0">
+              <a:schemeClr val="accent1"/>
+            </a:fillRef>
+            <a:effectRef idx="0">
+              <a:schemeClr val="accent1"/>
+            </a:effectRef>
+            <a:fontRef idx="minor">
+              <a:schemeClr val="tx1"/>
+            </a:fontRef>
+          </p:style>
+        </p:cxnSp>
+      </p:grpSp>
+      <p:sp>
+        <p:nvSpPr>
+          <p:cNvPr id="6" name="Rectangle 5"/>
+          <p:cNvSpPr/>
+          <p:nvPr/>
+        </p:nvSpPr>
+        <p:spPr>
+          <a:xfrm>
+            <a:off x="522102" y="2448178"/>
+            <a:ext cx="11118888" cy="1692771"/>
+          </a:xfrm>
+          <a:prstGeom prst="rect">
+            <a:avLst/>
+          </a:prstGeom>
+        </p:spPr>
+        <p:txBody>
+          <a:bodyPr wrap="square">
+            <a:spAutoFit/>
+          </a:bodyPr>
+          <a:lstStyle/>
+          <a:p>
+            <a:pPr>
+              <a:spcAft>
+                <a:spcPts val="1200"/>
+              </a:spcAft>
+            </a:pPr>
+            <a:r>
+              <a:rPr lang="en-US" sz="2800" dirty="0" err="1">
+                <a:solidFill>
+                  <a:srgbClr val="0000C0"/>
+                </a:solidFill>
+                <a:latin typeface="Consolas" panose="020B0609020204030204" pitchFamily="49" charset="0"/>
+              </a:rPr>
+              <a:t>my_component</a:t>
+            </a:r>
+            <a:r>
+              <a:rPr lang="en-US" sz="2800" dirty="0" err="1" smtClean="0">
+                <a:solidFill>
+                  <a:srgbClr val="000000"/>
+                </a:solidFill>
+                <a:latin typeface="Consolas" panose="020B0609020204030204" pitchFamily="49" charset="0"/>
+              </a:rPr>
+              <a:t>.setMinimumSize</a:t>
+            </a:r>
+            <a:r>
+              <a:rPr lang="en-US" sz="2800" dirty="0" smtClean="0">
+                <a:solidFill>
+                  <a:srgbClr val="000000"/>
+                </a:solidFill>
+                <a:latin typeface="Consolas" panose="020B0609020204030204" pitchFamily="49" charset="0"/>
+              </a:rPr>
+              <a:t>(</a:t>
+            </a:r>
+            <a:r>
+              <a:rPr lang="en-US" sz="2800" b="1" dirty="0" smtClean="0">
+                <a:solidFill>
+                  <a:srgbClr val="7F0055"/>
+                </a:solidFill>
+                <a:latin typeface="Consolas" panose="020B0609020204030204" pitchFamily="49" charset="0"/>
+              </a:rPr>
+              <a:t>new</a:t>
+            </a:r>
+            <a:r>
+              <a:rPr lang="en-US" sz="2800" b="1" dirty="0" smtClean="0">
+                <a:solidFill>
+                  <a:srgbClr val="000000"/>
+                </a:solidFill>
+                <a:latin typeface="Consolas" panose="020B0609020204030204" pitchFamily="49" charset="0"/>
+              </a:rPr>
+              <a:t> </a:t>
+            </a:r>
+            <a:r>
+              <a:rPr lang="en-US" sz="2800" dirty="0">
+                <a:solidFill>
+                  <a:srgbClr val="000000"/>
+                </a:solidFill>
+                <a:latin typeface="Consolas" panose="020B0609020204030204" pitchFamily="49" charset="0"/>
+              </a:rPr>
+              <a:t>Dimension(100, 100));</a:t>
+            </a:r>
+          </a:p>
+          <a:p>
+            <a:pPr>
+              <a:spcAft>
+                <a:spcPts val="1200"/>
+              </a:spcAft>
+            </a:pPr>
+            <a:r>
+              <a:rPr lang="en-US" sz="2800" dirty="0" err="1">
+                <a:solidFill>
+                  <a:srgbClr val="0000C0"/>
+                </a:solidFill>
+                <a:latin typeface="Consolas" panose="020B0609020204030204" pitchFamily="49" charset="0"/>
+              </a:rPr>
+              <a:t>my_component</a:t>
+            </a:r>
+            <a:r>
+              <a:rPr lang="en-US" sz="2800" dirty="0" err="1" smtClean="0">
+                <a:solidFill>
+                  <a:srgbClr val="000000"/>
+                </a:solidFill>
+                <a:latin typeface="Consolas" panose="020B0609020204030204" pitchFamily="49" charset="0"/>
+              </a:rPr>
+              <a:t>.setPreferredSize</a:t>
+            </a:r>
+            <a:r>
+              <a:rPr lang="en-US" sz="2800" dirty="0" smtClean="0">
+                <a:solidFill>
+                  <a:srgbClr val="000000"/>
+                </a:solidFill>
+                <a:latin typeface="Consolas" panose="020B0609020204030204" pitchFamily="49" charset="0"/>
+              </a:rPr>
+              <a:t>(</a:t>
+            </a:r>
+            <a:r>
+              <a:rPr lang="en-US" sz="2800" b="1" dirty="0" smtClean="0">
+                <a:solidFill>
+                  <a:srgbClr val="7F0055"/>
+                </a:solidFill>
+                <a:latin typeface="Consolas" panose="020B0609020204030204" pitchFamily="49" charset="0"/>
+              </a:rPr>
+              <a:t>new</a:t>
+            </a:r>
+            <a:r>
+              <a:rPr lang="en-US" sz="2800" b="1" dirty="0" smtClean="0">
+                <a:solidFill>
+                  <a:srgbClr val="000000"/>
+                </a:solidFill>
+                <a:latin typeface="Consolas" panose="020B0609020204030204" pitchFamily="49" charset="0"/>
+              </a:rPr>
+              <a:t> </a:t>
+            </a:r>
+            <a:r>
+              <a:rPr lang="en-US" sz="2800" dirty="0">
+                <a:solidFill>
+                  <a:srgbClr val="000000"/>
+                </a:solidFill>
+                <a:latin typeface="Consolas" panose="020B0609020204030204" pitchFamily="49" charset="0"/>
+              </a:rPr>
+              <a:t>Dimension(100, 100));</a:t>
+            </a:r>
+          </a:p>
+          <a:p>
+            <a:pPr>
+              <a:spcAft>
+                <a:spcPts val="1200"/>
+              </a:spcAft>
+            </a:pPr>
+            <a:r>
+              <a:rPr lang="en-US" sz="2800" dirty="0" err="1">
+                <a:solidFill>
+                  <a:srgbClr val="0000C0"/>
+                </a:solidFill>
+                <a:latin typeface="Consolas" panose="020B0609020204030204" pitchFamily="49" charset="0"/>
+              </a:rPr>
+              <a:t>my_component</a:t>
+            </a:r>
+            <a:r>
+              <a:rPr lang="en-US" sz="2800" dirty="0" err="1" smtClean="0">
+                <a:solidFill>
+                  <a:srgbClr val="000000"/>
+                </a:solidFill>
+                <a:latin typeface="Consolas" panose="020B0609020204030204" pitchFamily="49" charset="0"/>
+              </a:rPr>
+              <a:t>.setMaximumSize</a:t>
+            </a:r>
+            <a:r>
+              <a:rPr lang="en-US" sz="2800" dirty="0" smtClean="0">
+                <a:solidFill>
+                  <a:srgbClr val="000000"/>
+                </a:solidFill>
+                <a:latin typeface="Consolas" panose="020B0609020204030204" pitchFamily="49" charset="0"/>
+              </a:rPr>
+              <a:t>(</a:t>
+            </a:r>
+            <a:r>
+              <a:rPr lang="en-US" sz="2800" b="1" dirty="0" smtClean="0">
+                <a:solidFill>
+                  <a:srgbClr val="7F0055"/>
+                </a:solidFill>
+                <a:latin typeface="Consolas" panose="020B0609020204030204" pitchFamily="49" charset="0"/>
+              </a:rPr>
+              <a:t>new</a:t>
+            </a:r>
+            <a:r>
+              <a:rPr lang="en-US" sz="2800" b="1" dirty="0" smtClean="0">
+                <a:solidFill>
+                  <a:srgbClr val="000000"/>
+                </a:solidFill>
+                <a:latin typeface="Consolas" panose="020B0609020204030204" pitchFamily="49" charset="0"/>
+              </a:rPr>
+              <a:t> </a:t>
+            </a:r>
+            <a:r>
+              <a:rPr lang="en-US" sz="2800" dirty="0">
+                <a:solidFill>
+                  <a:srgbClr val="000000"/>
+                </a:solidFill>
+                <a:latin typeface="Consolas" panose="020B0609020204030204" pitchFamily="49" charset="0"/>
+              </a:rPr>
+              <a:t>Dimension(100, 100));</a:t>
+            </a:r>
+            <a:endParaRPr lang="en-US" sz="2800" dirty="0"/>
+          </a:p>
+        </p:txBody>
+      </p:sp>
+      <p:grpSp>
+        <p:nvGrpSpPr>
+          <p:cNvPr id="26" name="Group 25">
+            <a:extLst>
+              <a:ext uri="{FF2B5EF4-FFF2-40B4-BE49-F238E27FC236}">
+                <a16:creationId xmlns:a16="http://schemas.microsoft.com/office/drawing/2014/main" id="{34A56C85-7109-4636-8BA1-662494860726}"/>
+              </a:ext>
+            </a:extLst>
+          </p:cNvPr>
+          <p:cNvGrpSpPr/>
+          <p:nvPr/>
+        </p:nvGrpSpPr>
+        <p:grpSpPr>
+          <a:xfrm>
+            <a:off x="7251696" y="4236991"/>
+            <a:ext cx="1859837" cy="1308023"/>
+            <a:chOff x="9804625" y="4333481"/>
+            <a:chExt cx="1859837" cy="1308023"/>
+          </a:xfrm>
+        </p:grpSpPr>
+        <p:sp>
+          <p:nvSpPr>
+            <p:cNvPr id="28" name="Rectangle 27">
+              <a:extLst>
+                <a:ext uri="{FF2B5EF4-FFF2-40B4-BE49-F238E27FC236}">
+                  <a16:creationId xmlns:a16="http://schemas.microsoft.com/office/drawing/2014/main" id="{2C43BFAB-E2A9-4E6F-A53F-35654119A4A2}"/>
+                </a:ext>
+              </a:extLst>
+            </p:cNvPr>
+            <p:cNvSpPr/>
+            <p:nvPr/>
+          </p:nvSpPr>
+          <p:spPr>
+            <a:xfrm>
+              <a:off x="9804625" y="5118284"/>
+              <a:ext cx="1784366" cy="523220"/>
+            </a:xfrm>
+            <a:prstGeom prst="rect">
+              <a:avLst/>
+            </a:prstGeom>
+          </p:spPr>
+          <p:txBody>
+            <a:bodyPr wrap="square">
+              <a:spAutoFit/>
+            </a:bodyPr>
+            <a:lstStyle/>
+            <a:p>
+              <a:pPr algn="ctr"/>
+              <a:r>
+                <a:rPr lang="en-US" sz="2800" b="1" dirty="0" smtClean="0">
+                  <a:solidFill>
+                    <a:schemeClr val="accent4">
+                      <a:lumMod val="75000"/>
+                    </a:schemeClr>
+                  </a:solidFill>
+                </a:rPr>
+                <a:t>width</a:t>
+              </a:r>
+              <a:endParaRPr lang="en-US" sz="2800" b="1" dirty="0">
+                <a:solidFill>
+                  <a:schemeClr val="accent4">
+                    <a:lumMod val="75000"/>
+                  </a:schemeClr>
+                </a:solidFill>
+              </a:endParaRPr>
+            </a:p>
+          </p:txBody>
+        </p:sp>
+        <p:cxnSp>
+          <p:nvCxnSpPr>
+            <p:cNvPr id="29" name="Straight Arrow Connector 28">
+              <a:extLst>
+                <a:ext uri="{FF2B5EF4-FFF2-40B4-BE49-F238E27FC236}">
+                  <a16:creationId xmlns:a16="http://schemas.microsoft.com/office/drawing/2014/main" id="{C152CE03-B31D-419D-AF22-6C0F2DEBC824}"/>
+                </a:ext>
+              </a:extLst>
+            </p:cNvPr>
+            <p:cNvCxnSpPr>
+              <a:cxnSpLocks/>
+            </p:cNvCxnSpPr>
+            <p:nvPr/>
+          </p:nvCxnSpPr>
+          <p:spPr>
+            <a:xfrm flipV="1">
+              <a:off x="11161272" y="4333481"/>
+              <a:ext cx="503190" cy="784803"/>
+            </a:xfrm>
+            <a:prstGeom prst="straightConnector1">
+              <a:avLst/>
+            </a:prstGeom>
+            <a:ln w="44450">
+              <a:solidFill>
+                <a:schemeClr val="accent4">
+                  <a:lumMod val="75000"/>
+                </a:schemeClr>
+              </a:solidFill>
+              <a:tailEnd type="triangle" w="lg" len="med"/>
+            </a:ln>
+          </p:spPr>
+          <p:style>
+            <a:lnRef idx="1">
+              <a:schemeClr val="accent1"/>
+            </a:lnRef>
+            <a:fillRef idx="0">
+              <a:schemeClr val="accent1"/>
+            </a:fillRef>
+            <a:effectRef idx="0">
+              <a:schemeClr val="accent1"/>
+            </a:effectRef>
+            <a:fontRef idx="minor">
+              <a:schemeClr val="tx1"/>
+            </a:fontRef>
+          </p:style>
+        </p:cxnSp>
+      </p:grpSp>
+    </p:spTree>
+    <p:extLst>
+      <p:ext uri="{BB962C8B-B14F-4D97-AF65-F5344CB8AC3E}">
+        <p14:creationId xmlns:p14="http://schemas.microsoft.com/office/powerpoint/2010/main" val="2774340157"/>
+      </p:ext>
+    </p:extLst>
+  </p:cSld>
+  <p:clrMapOvr>
+    <a:masterClrMapping/>
+  </p:clrMapOvr>
+  <p:timing>
+    <p:tnLst>
+      <p:par>
+        <p:cTn id="1" dur="indefinite" restart="never" nodeType="tmRoot">
+          <p:childTnLst>
+            <p:seq concurrent="1" nextAc="seek">
+              <p:cTn id="2" dur="indefinite" nodeType="mainSeq">
+                <p:childTnLst>
+                  <p:par>
+                    <p:cTn id="3" fill="hold">
+                      <p:stCondLst>
+                        <p:cond delay="indefinite"/>
+                      </p:stCondLst>
+                      <p:childTnLst>
+                        <p:par>
+                          <p:cTn id="4" fill="hold">
+                            <p:stCondLst>
+                              <p:cond delay="0"/>
+                            </p:stCondLst>
+                            <p:childTnLst>
+                              <p:par>
+                                <p:cTn id="5" presetID="1" presetClass="entr" presetSubtype="0" fill="hold" nodeType="clickEffect">
+                                  <p:stCondLst>
+                                    <p:cond delay="0"/>
+                                  </p:stCondLst>
+                                  <p:childTnLst>
+                                    <p:set>
+                                      <p:cBhvr>
+                                        <p:cTn id="6" dur="1" fill="hold">
+                                          <p:stCondLst>
+                                            <p:cond delay="0"/>
+                                          </p:stCondLst>
+                                        </p:cTn>
+                                        <p:tgtEl>
+                                          <p:spTgt spid="26"/>
+                                        </p:tgtEl>
+                                        <p:attrNameLst>
+                                          <p:attrName>style.visibility</p:attrName>
+                                        </p:attrNameLst>
+                                      </p:cBhvr>
+                                      <p:to>
+                                        <p:strVal val="visible"/>
+                                      </p:to>
+                                    </p:set>
+                                  </p:childTnLst>
+                                </p:cTn>
+                              </p:par>
+                            </p:childTnLst>
+                          </p:cTn>
+                        </p:par>
+                      </p:childTnLst>
+                    </p:cTn>
+                  </p:par>
+                  <p:par>
+                    <p:cTn id="7" fill="hold">
+                      <p:stCondLst>
+                        <p:cond delay="indefinite"/>
+                      </p:stCondLst>
+                      <p:childTnLst>
+                        <p:par>
+                          <p:cTn id="8" fill="hold">
+                            <p:stCondLst>
+                              <p:cond delay="0"/>
+                            </p:stCondLst>
+                            <p:childTnLst>
+                              <p:par>
+                                <p:cTn id="9" presetID="1" presetClass="entr" presetSubtype="0" fill="hold" nodeType="clickEffect">
+                                  <p:stCondLst>
+                                    <p:cond delay="0"/>
+                                  </p:stCondLst>
+                                  <p:childTnLst>
+                                    <p:set>
+                                      <p:cBhvr>
+                                        <p:cTn id="10" dur="1" fill="hold">
+                                          <p:stCondLst>
+                                            <p:cond delay="0"/>
+                                          </p:stCondLst>
+                                        </p:cTn>
+                                        <p:tgtEl>
+                                          <p:spTgt spid="44"/>
+                                        </p:tgtEl>
+                                        <p:attrNameLst>
+                                          <p:attrName>style.visibility</p:attrName>
+                                        </p:attrNameLst>
+                                      </p:cBhvr>
+                                      <p:to>
+                                        <p:strVal val="visible"/>
+                                      </p:to>
+                                    </p:set>
+                                  </p:childTnLst>
+                                </p:cTn>
+                              </p:par>
+                            </p:childTnLst>
+                          </p:cTn>
+                        </p:par>
+                      </p:childTnLst>
+                    </p:cTn>
+                  </p:par>
+                </p:childTnLst>
+              </p:cTn>
+              <p:prevCondLst>
+                <p:cond evt="onPrev" delay="0">
+                  <p:tgtEl>
+                    <p:sldTgt/>
+                  </p:tgtEl>
+                </p:cond>
+              </p:prevCondLst>
+              <p:nextCondLst>
+                <p:cond evt="onNext" delay="0">
+                  <p:tgtEl>
+                    <p:sldTgt/>
+                  </p:tgtEl>
+                </p:cond>
+              </p:nextCondLst>
+            </p:seq>
+          </p:childTnLst>
+        </p:cTn>
+      </p:par>
+    </p:tnLst>
+  </p:timing>
+</p:sld>
+</file>
+
+<file path=ppt/slides/slide27.xml><?xml version="1.0" encoding="utf-8"?>
+<p:sld xmlns:a="http://schemas.openxmlformats.org/drawingml/2006/main" xmlns:r="http://schemas.openxmlformats.org/officeDocument/2006/relationships" xmlns:p="http://schemas.openxmlformats.org/presentationml/2006/main">
+  <p:cSld>
+    <p:spTree>
+      <p:nvGrpSpPr>
+        <p:cNvPr id="1" name=""/>
+        <p:cNvGrpSpPr/>
+        <p:nvPr/>
+      </p:nvGrpSpPr>
+      <p:grpSpPr>
+        <a:xfrm>
+          <a:off x="0" y="0"/>
+          <a:ext cx="0" cy="0"/>
+          <a:chOff x="0" y="0"/>
+          <a:chExt cx="0" cy="0"/>
+        </a:xfrm>
+      </p:grpSpPr>
+      <p:sp>
+        <p:nvSpPr>
+          <p:cNvPr id="2" name="Title 1"/>
+          <p:cNvSpPr>
+            <a:spLocks noGrp="1"/>
+          </p:cNvSpPr>
+          <p:nvPr>
+            <p:ph type="title"/>
+          </p:nvPr>
+        </p:nvSpPr>
+        <p:spPr/>
+        <p:txBody>
+          <a:bodyPr/>
+          <a:lstStyle/>
+          <a:p>
+            <a:r>
+              <a:rPr lang="en-US" dirty="0" smtClean="0">
+                <a:solidFill>
+                  <a:schemeClr val="tx2"/>
+                </a:solidFill>
+              </a:rPr>
+              <a:t>Text alignment</a:t>
+            </a:r>
+            <a:endParaRPr lang="en-US" dirty="0">
+              <a:solidFill>
+                <a:schemeClr val="tx2"/>
+              </a:solidFill>
+            </a:endParaRPr>
+          </a:p>
+        </p:txBody>
+      </p:sp>
+      <p:sp>
+        <p:nvSpPr>
+          <p:cNvPr id="3" name="Rectangle 2"/>
+          <p:cNvSpPr/>
+          <p:nvPr/>
+        </p:nvSpPr>
+        <p:spPr>
+          <a:xfrm>
+            <a:off x="476138" y="2799107"/>
+            <a:ext cx="11530097" cy="1107996"/>
+          </a:xfrm>
+          <a:prstGeom prst="rect">
+            <a:avLst/>
+          </a:prstGeom>
+        </p:spPr>
+        <p:txBody>
+          <a:bodyPr wrap="square">
+            <a:spAutoFit/>
+          </a:bodyPr>
+          <a:lstStyle/>
+          <a:p>
+            <a:pPr>
+              <a:spcAft>
+                <a:spcPts val="1200"/>
+              </a:spcAft>
+            </a:pPr>
+            <a:r>
+              <a:rPr lang="en-US" sz="2800" dirty="0" err="1" smtClean="0">
+                <a:solidFill>
+                  <a:srgbClr val="0000C0"/>
+                </a:solidFill>
+                <a:latin typeface="Consolas" panose="020B0609020204030204" pitchFamily="49" charset="0"/>
+              </a:rPr>
+              <a:t>my_jlabel</a:t>
+            </a:r>
+            <a:r>
+              <a:rPr lang="en-US" sz="2800" dirty="0" err="1" smtClean="0">
+                <a:solidFill>
+                  <a:srgbClr val="000000"/>
+                </a:solidFill>
+                <a:latin typeface="Consolas" panose="020B0609020204030204" pitchFamily="49" charset="0"/>
+              </a:rPr>
+              <a:t>.setHorizontalAlignment</a:t>
+            </a:r>
+            <a:r>
+              <a:rPr lang="en-US" sz="2800" dirty="0" smtClean="0">
+                <a:solidFill>
+                  <a:srgbClr val="000000"/>
+                </a:solidFill>
+                <a:latin typeface="Consolas" panose="020B0609020204030204" pitchFamily="49" charset="0"/>
+              </a:rPr>
+              <a:t>(</a:t>
+            </a:r>
+            <a:r>
+              <a:rPr lang="en-US" sz="2800" dirty="0" err="1" smtClean="0">
+                <a:solidFill>
+                  <a:srgbClr val="000000"/>
+                </a:solidFill>
+                <a:latin typeface="Consolas" panose="020B0609020204030204" pitchFamily="49" charset="0"/>
+              </a:rPr>
+              <a:t>SwingConstants.</a:t>
+            </a:r>
+            <a:r>
+              <a:rPr lang="en-US" sz="2800" b="1" i="1" dirty="0" err="1" smtClean="0">
+                <a:solidFill>
+                  <a:srgbClr val="0000C0"/>
+                </a:solidFill>
+                <a:latin typeface="Consolas" panose="020B0609020204030204" pitchFamily="49" charset="0"/>
+              </a:rPr>
+              <a:t>CENTER</a:t>
+            </a:r>
+            <a:r>
+              <a:rPr lang="en-US" sz="2800" i="1" dirty="0">
+                <a:solidFill>
+                  <a:srgbClr val="000000"/>
+                </a:solidFill>
+                <a:latin typeface="Consolas" panose="020B0609020204030204" pitchFamily="49" charset="0"/>
+              </a:rPr>
+              <a:t>);</a:t>
+            </a:r>
+          </a:p>
+          <a:p>
+            <a:pPr>
+              <a:spcAft>
+                <a:spcPts val="1200"/>
+              </a:spcAft>
+            </a:pPr>
+            <a:r>
+              <a:rPr lang="en-US" sz="2800" dirty="0" err="1" smtClean="0">
+                <a:solidFill>
+                  <a:srgbClr val="0000C0"/>
+                </a:solidFill>
+                <a:latin typeface="Consolas" panose="020B0609020204030204" pitchFamily="49" charset="0"/>
+              </a:rPr>
+              <a:t>my_jlabel</a:t>
+            </a:r>
+            <a:r>
+              <a:rPr lang="en-US" sz="2800" dirty="0" err="1" smtClean="0">
+                <a:solidFill>
+                  <a:srgbClr val="000000"/>
+                </a:solidFill>
+                <a:latin typeface="Consolas" panose="020B0609020204030204" pitchFamily="49" charset="0"/>
+              </a:rPr>
+              <a:t>.setVerticalAlignment</a:t>
+            </a:r>
+            <a:r>
+              <a:rPr lang="en-US" sz="2800" dirty="0" smtClean="0">
+                <a:solidFill>
+                  <a:srgbClr val="000000"/>
+                </a:solidFill>
+                <a:latin typeface="Consolas" panose="020B0609020204030204" pitchFamily="49" charset="0"/>
+              </a:rPr>
+              <a:t>(</a:t>
+            </a:r>
+            <a:r>
+              <a:rPr lang="en-US" sz="2800" dirty="0" err="1" smtClean="0">
+                <a:solidFill>
+                  <a:srgbClr val="000000"/>
+                </a:solidFill>
+                <a:latin typeface="Consolas" panose="020B0609020204030204" pitchFamily="49" charset="0"/>
+              </a:rPr>
+              <a:t>SwingConstants.</a:t>
+            </a:r>
+            <a:r>
+              <a:rPr lang="en-US" sz="2800" b="1" i="1" dirty="0" err="1" smtClean="0">
+                <a:solidFill>
+                  <a:srgbClr val="0000C0"/>
+                </a:solidFill>
+                <a:latin typeface="Consolas" panose="020B0609020204030204" pitchFamily="49" charset="0"/>
+              </a:rPr>
+              <a:t>CENTER</a:t>
+            </a:r>
+            <a:r>
+              <a:rPr lang="en-US" sz="2800" i="1" dirty="0">
+                <a:solidFill>
+                  <a:srgbClr val="000000"/>
+                </a:solidFill>
+                <a:latin typeface="Consolas" panose="020B0609020204030204" pitchFamily="49" charset="0"/>
+              </a:rPr>
+              <a:t>);</a:t>
+            </a:r>
+            <a:endParaRPr lang="en-US" sz="2800" dirty="0"/>
+          </a:p>
+        </p:txBody>
+      </p:sp>
+      <p:sp>
+        <p:nvSpPr>
+          <p:cNvPr id="11" name="TextBox 10">
+            <a:extLst>
+              <a:ext uri="{FF2B5EF4-FFF2-40B4-BE49-F238E27FC236}">
+                <a16:creationId xmlns:a16="http://schemas.microsoft.com/office/drawing/2014/main" id="{887F0EA8-9F8C-44C1-A972-D6151E9323A9}"/>
+              </a:ext>
+            </a:extLst>
+          </p:cNvPr>
+          <p:cNvSpPr txBox="1"/>
+          <p:nvPr/>
+        </p:nvSpPr>
+        <p:spPr>
+          <a:xfrm>
+            <a:off x="6509013" y="5171879"/>
+            <a:ext cx="5005540" cy="1107162"/>
+          </a:xfrm>
+          <a:prstGeom prst="roundRect">
+            <a:avLst>
+              <a:gd name="adj" fmla="val 9698"/>
+            </a:avLst>
+          </a:prstGeom>
+          <a:solidFill>
+            <a:schemeClr val="accent6">
+              <a:lumMod val="20000"/>
+              <a:lumOff val="80000"/>
+            </a:schemeClr>
+          </a:solidFill>
+          <a:ln w="19050">
+            <a:solidFill>
+              <a:schemeClr val="accent6">
+                <a:lumMod val="75000"/>
+              </a:schemeClr>
+            </a:solidFill>
+          </a:ln>
+        </p:spPr>
+        <p:txBody>
+          <a:bodyPr wrap="square" lIns="182880" tIns="91440" rIns="182880" bIns="91440" rtlCol="0">
+            <a:spAutoFit/>
+          </a:bodyPr>
+          <a:lstStyle/>
+          <a:p>
+            <a:pPr algn="ctr"/>
+            <a:r>
+              <a:rPr lang="en-US" sz="2800" dirty="0" smtClean="0">
+                <a:solidFill>
+                  <a:schemeClr val="accent6">
+                    <a:lumMod val="50000"/>
+                  </a:schemeClr>
+                </a:solidFill>
+              </a:rPr>
+              <a:t>Can set alignment to LEFT, CENTER, or RIGHT</a:t>
+            </a:r>
+            <a:endParaRPr lang="en-US" sz="2400" b="1" dirty="0">
+              <a:solidFill>
+                <a:schemeClr val="accent6">
+                  <a:lumMod val="50000"/>
+                </a:schemeClr>
+              </a:solidFill>
+            </a:endParaRPr>
+          </a:p>
+        </p:txBody>
+      </p:sp>
+    </p:spTree>
+    <p:extLst>
+      <p:ext uri="{BB962C8B-B14F-4D97-AF65-F5344CB8AC3E}">
+        <p14:creationId xmlns:p14="http://schemas.microsoft.com/office/powerpoint/2010/main" val="66348137"/>
+      </p:ext>
+    </p:extLst>
+  </p:cSld>
+  <p:clrMapOvr>
+    <a:masterClrMapping/>
+  </p:clrMapOvr>
+  <p:timing>
+    <p:tnLst>
+      <p:par>
+        <p:cTn id="1" dur="indefinite" restart="never" nodeType="tmRoot">
+          <p:childTnLst>
+            <p:seq concurrent="1" nextAc="seek">
+              <p:cTn id="2" dur="indefinite" nodeType="mainSeq">
+                <p:childTnLst>
+                  <p:par>
+                    <p:cTn id="3" fill="hold">
+                      <p:stCondLst>
+                        <p:cond delay="indefinite"/>
+                      </p:stCondLst>
+                      <p:childTnLst>
+                        <p:par>
+                          <p:cTn id="4" fill="hold">
+                            <p:stCondLst>
+                              <p:cond delay="0"/>
+                            </p:stCondLst>
+                            <p:childTnLst>
+                              <p:par>
+                                <p:cTn id="5" presetID="1" presetClass="entr" presetSubtype="0" fill="hold" grpId="0" nodeType="clickEffect">
+                                  <p:stCondLst>
+                                    <p:cond delay="0"/>
+                                  </p:stCondLst>
+                                  <p:childTnLst>
+                                    <p:set>
+                                      <p:cBhvr>
+                                        <p:cTn id="6" dur="1" fill="hold">
+                                          <p:stCondLst>
+                                            <p:cond delay="0"/>
+                                          </p:stCondLst>
+                                        </p:cTn>
+                                        <p:tgtEl>
+                                          <p:spTgt spid="11"/>
+                                        </p:tgtEl>
+                                        <p:attrNameLst>
+                                          <p:attrName>style.visibility</p:attrName>
+                                        </p:attrNameLst>
+                                      </p:cBhvr>
+                                      <p:to>
+                                        <p:strVal val="visible"/>
+                                      </p:to>
+                                    </p:set>
+                                  </p:childTnLst>
+                                </p:cTn>
+                              </p:par>
+                            </p:childTnLst>
+                          </p:cTn>
+                        </p:par>
+                      </p:childTnLst>
+                    </p:cTn>
+                  </p:par>
+                </p:childTnLst>
+              </p:cTn>
+              <p:prevCondLst>
+                <p:cond evt="onPrev" delay="0">
+                  <p:tgtEl>
+                    <p:sldTgt/>
+                  </p:tgtEl>
+                </p:cond>
+              </p:prevCondLst>
+              <p:nextCondLst>
+                <p:cond evt="onNext" delay="0">
+                  <p:tgtEl>
+                    <p:sldTgt/>
+                  </p:tgtEl>
+                </p:cond>
+              </p:nextCondLst>
+            </p:seq>
+          </p:childTnLst>
+        </p:cTn>
+      </p:par>
+    </p:tnLst>
+    <p:bldLst>
+      <p:bldP spid="11" grpId="0" animBg="1"/>
+    </p:bldLst>
+  </p:timing>
+</p:sld>
+</file>
+
+<file path=ppt/slides/slide28.xml><?xml version="1.0" encoding="utf-8"?>
 <p:sld xmlns:a="http://schemas.openxmlformats.org/drawingml/2006/main" xmlns:r="http://schemas.openxmlformats.org/officeDocument/2006/relationships" xmlns:p="http://schemas.openxmlformats.org/presentationml/2006/main">
   <p:cSld>
     <p:spTree>
@@ -20050,7 +21023,7 @@
 </p:sld>
 </file>
 
-<file path=ppt/slides/slide27.xml><?xml version="1.0" encoding="utf-8"?>
+<file path=ppt/slides/slide29.xml><?xml version="1.0" encoding="utf-8"?>
 <p:sld xmlns:a="http://schemas.openxmlformats.org/drawingml/2006/main" xmlns:r="http://schemas.openxmlformats.org/officeDocument/2006/relationships" xmlns:p="http://schemas.openxmlformats.org/presentationml/2006/main">
   <p:cSld>
     <p:spTree>
